--- a/SU2/report#9_2/전산유체해석실습 Report#9.pptx
+++ b/SU2/report#9_2/전산유체해석실습 Report#9.pptx
@@ -4109,7 +4109,15 @@
             </a:r>
             <a:r>
               <a:rPr lang="ko-KR" altLang="en-US" dirty="0"/>
-              <a:t>값을 이용해 </a:t>
+              <a:t>값</a:t>
+            </a:r>
+            <a:r>
+              <a:rPr lang="en-US" altLang="ko-KR" dirty="0"/>
+              <a:t>(p)</a:t>
+            </a:r>
+            <a:r>
+              <a:rPr lang="ko-KR" altLang="en-US" dirty="0"/>
+              <a:t>을 이용해 </a:t>
             </a:r>
             <a:r>
               <a:rPr lang="en-US" altLang="ko-KR" dirty="0"/>
@@ -4159,7 +4167,7 @@
             </a:pPr>
             <a:r>
               <a:rPr lang="en-US" altLang="ko-KR" dirty="0"/>
-              <a:t>P∞​= FREESTREAM_PRESSURE = 101325 Pa</a:t>
+              <a:t>p∞​= FREESTREAM_PRESSURE = 101325 Pa</a:t>
             </a:r>
           </a:p>
           <a:p>
@@ -4172,7 +4180,7 @@
             </a:pPr>
             <a:r>
               <a:rPr lang="el-GR" altLang="ko-KR" dirty="0"/>
-              <a:t>Ρ</a:t>
+              <a:t>ρ</a:t>
             </a:r>
             <a:r>
               <a:rPr lang="en-US" altLang="ko-KR" dirty="0"/>
